--- a/04-Trimestre 4/Base_Datos/FORMATO OBJETIVOS.pptx
+++ b/04-Trimestre 4/Base_Datos/FORMATO OBJETIVOS.pptx
@@ -16643,7 +16643,7 @@
         <p:spPr>
           <a:xfrm>
             <a:off x="111994" y="2604706"/>
-            <a:ext cx="12015636" cy="6174289"/>
+            <a:ext cx="12015636" cy="5297125"/>
           </a:xfrm>
           <a:prstGeom prst="rect">
             <a:avLst/>
@@ -16669,7 +16669,7 @@
                 <a:cs typeface="Work Sans Light"/>
                 <a:sym typeface="Work Sans Light"/>
               </a:rPr>
-              <a:t>Es desarrollar e “implementar” un software integral que aborde los desafíos que enfrenta la empresa </a:t>
+              <a:t>Desarrollar un software integral que aborde los desafíos que enfrenta la empresa </a:t>
             </a:r>
             <a:r>
               <a:rPr kumimoji="0" lang="es-ES" sz="1900" b="0" i="0" u="none" strike="noStrike" kern="0" cap="none" spc="0" normalizeH="0" baseline="0" noProof="0" dirty="0">
@@ -16697,91 +16697,6 @@
                 <a:sym typeface="Work Sans Light"/>
               </a:rPr>
               <a:t>. Propiciando una interconexión y sincronización eficiente, centrándose en la organización del inventario, agilizando el proceso de facturación, optimizando el seguimiento de pedidos y fortaleciendo  las estrategias de marketing.</a:t>
-            </a:r>
-          </a:p>
-          <a:p>
-            <a:pPr algn="just">
-              <a:buSzPts val="1800"/>
-            </a:pPr>
-            <a:br>
-              <a:rPr lang="es-ES" sz="1900" dirty="0">
-                <a:latin typeface="Work Sans Light"/>
-                <a:ea typeface="Work Sans Light"/>
-                <a:cs typeface="Work Sans Light"/>
-                <a:sym typeface="Work Sans Light"/>
-              </a:rPr>
-            </a:br>
-            <a:r>
-              <a:rPr lang="es-ES" sz="1900" dirty="0">
-                <a:latin typeface="Work Sans Light"/>
-                <a:ea typeface="Work Sans Light"/>
-                <a:cs typeface="Work Sans Light"/>
-                <a:sym typeface="Work Sans Light"/>
-              </a:rPr>
-              <a:t>Como resultado final, el proyecto </a:t>
-            </a:r>
-            <a:r>
-              <a:rPr lang="es-ES" sz="1900" dirty="0">
-                <a:solidFill>
-                  <a:schemeClr val="tx1"/>
-                </a:solidFill>
-                <a:latin typeface="Work Sans Light"/>
-                <a:ea typeface="Work Sans Light"/>
-                <a:cs typeface="Work Sans Light"/>
-                <a:sym typeface="Work Sans Light"/>
-              </a:rPr>
-              <a:t>aumentara</a:t>
-            </a:r>
-            <a:r>
-              <a:rPr lang="es-ES" sz="1900" dirty="0">
-                <a:latin typeface="Work Sans Light"/>
-                <a:ea typeface="Work Sans Light"/>
-                <a:cs typeface="Work Sans Light"/>
-                <a:sym typeface="Work Sans Light"/>
-              </a:rPr>
-              <a:t> la visibilidad de la empresa tanto en el entorno físico como en el mercado digital, </a:t>
-            </a:r>
-            <a:r>
-              <a:rPr lang="es-ES" sz="1900" dirty="0">
-                <a:solidFill>
-                  <a:schemeClr val="tx1"/>
-                </a:solidFill>
-                <a:latin typeface="Work Sans Light"/>
-                <a:ea typeface="Work Sans Light"/>
-                <a:cs typeface="Work Sans Light"/>
-                <a:sym typeface="Work Sans Light"/>
-              </a:rPr>
-              <a:t>optimizando</a:t>
-            </a:r>
-            <a:r>
-              <a:rPr lang="es-ES" sz="1900" dirty="0">
-                <a:solidFill>
-                  <a:srgbClr val="FF0000"/>
-                </a:solidFill>
-                <a:latin typeface="Work Sans Light"/>
-                <a:ea typeface="Work Sans Light"/>
-                <a:cs typeface="Work Sans Light"/>
-                <a:sym typeface="Work Sans Light"/>
-              </a:rPr>
-              <a:t> </a:t>
-            </a:r>
-            <a:r>
-              <a:rPr lang="es-ES" sz="1900" dirty="0">
-                <a:latin typeface="Work Sans Light"/>
-                <a:ea typeface="Work Sans Light"/>
-                <a:cs typeface="Work Sans Light"/>
-                <a:sym typeface="Work Sans Light"/>
-              </a:rPr>
-              <a:t>el rendimiento general de Zayro Disfraces</a:t>
-            </a:r>
-            <a:r>
-              <a:rPr lang="es-ES" sz="1760" dirty="0">
-                <a:latin typeface="Work Sans Light"/>
-                <a:ea typeface="Work Sans Light"/>
-                <a:cs typeface="Work Sans Light"/>
-                <a:sym typeface="Work Sans Light"/>
-              </a:rPr>
-              <a:t>.</a:t>
             </a:r>
           </a:p>
           <a:p>
